--- a/発表資料/ゼロから作るDeepLearning/ゼロから作るdeeplearning第4章.pptx
+++ b/発表資料/ゼロから作るDeepLearning/ゼロから作るdeeplearning第4章.pptx
@@ -2376,7 +2376,7 @@
           <a:p>
             <a:fld id="{6F410624-7C5E-4564-8988-5D4DC79A743A}" type="datetimeFigureOut">
               <a:rPr kumimoji="1" lang="ja-JP" altLang="en-US" smtClean="0"/>
-              <a:t>2020/7/16</a:t>
+              <a:t>2020/7/17</a:t>
             </a:fld>
             <a:endParaRPr kumimoji="1" lang="ja-JP" altLang="en-US"/>
           </a:p>
@@ -2606,7 +2606,7 @@
           <a:p>
             <a:fld id="{6F410624-7C5E-4564-8988-5D4DC79A743A}" type="datetimeFigureOut">
               <a:rPr kumimoji="1" lang="ja-JP" altLang="en-US" smtClean="0"/>
-              <a:t>2020/7/16</a:t>
+              <a:t>2020/7/17</a:t>
             </a:fld>
             <a:endParaRPr kumimoji="1" lang="ja-JP" altLang="en-US"/>
           </a:p>
@@ -2846,7 +2846,7 @@
           <a:p>
             <a:fld id="{6F410624-7C5E-4564-8988-5D4DC79A743A}" type="datetimeFigureOut">
               <a:rPr kumimoji="1" lang="ja-JP" altLang="en-US" smtClean="0"/>
-              <a:t>2020/7/16</a:t>
+              <a:t>2020/7/17</a:t>
             </a:fld>
             <a:endParaRPr kumimoji="1" lang="ja-JP" altLang="en-US"/>
           </a:p>
@@ -3076,7 +3076,7 @@
           <a:p>
             <a:fld id="{6F410624-7C5E-4564-8988-5D4DC79A743A}" type="datetimeFigureOut">
               <a:rPr kumimoji="1" lang="ja-JP" altLang="en-US" smtClean="0"/>
-              <a:t>2020/7/16</a:t>
+              <a:t>2020/7/17</a:t>
             </a:fld>
             <a:endParaRPr kumimoji="1" lang="ja-JP" altLang="en-US"/>
           </a:p>
@@ -3351,7 +3351,7 @@
           <a:p>
             <a:fld id="{6F410624-7C5E-4564-8988-5D4DC79A743A}" type="datetimeFigureOut">
               <a:rPr kumimoji="1" lang="ja-JP" altLang="en-US" smtClean="0"/>
-              <a:t>2020/7/16</a:t>
+              <a:t>2020/7/17</a:t>
             </a:fld>
             <a:endParaRPr kumimoji="1" lang="ja-JP" altLang="en-US"/>
           </a:p>
@@ -3680,7 +3680,7 @@
           <a:p>
             <a:fld id="{6F410624-7C5E-4564-8988-5D4DC79A743A}" type="datetimeFigureOut">
               <a:rPr kumimoji="1" lang="ja-JP" altLang="en-US" smtClean="0"/>
-              <a:t>2020/7/16</a:t>
+              <a:t>2020/7/17</a:t>
             </a:fld>
             <a:endParaRPr kumimoji="1" lang="ja-JP" altLang="en-US"/>
           </a:p>
@@ -4156,7 +4156,7 @@
           <a:p>
             <a:fld id="{6F410624-7C5E-4564-8988-5D4DC79A743A}" type="datetimeFigureOut">
               <a:rPr kumimoji="1" lang="ja-JP" altLang="en-US" smtClean="0"/>
-              <a:t>2020/7/16</a:t>
+              <a:t>2020/7/17</a:t>
             </a:fld>
             <a:endParaRPr kumimoji="1" lang="ja-JP" altLang="en-US"/>
           </a:p>
@@ -4297,7 +4297,7 @@
           <a:p>
             <a:fld id="{6F410624-7C5E-4564-8988-5D4DC79A743A}" type="datetimeFigureOut">
               <a:rPr kumimoji="1" lang="ja-JP" altLang="en-US" smtClean="0"/>
-              <a:t>2020/7/16</a:t>
+              <a:t>2020/7/17</a:t>
             </a:fld>
             <a:endParaRPr kumimoji="1" lang="ja-JP" altLang="en-US"/>
           </a:p>
@@ -4410,7 +4410,7 @@
           <a:p>
             <a:fld id="{6F410624-7C5E-4564-8988-5D4DC79A743A}" type="datetimeFigureOut">
               <a:rPr kumimoji="1" lang="ja-JP" altLang="en-US" smtClean="0"/>
-              <a:t>2020/7/16</a:t>
+              <a:t>2020/7/17</a:t>
             </a:fld>
             <a:endParaRPr kumimoji="1" lang="ja-JP" altLang="en-US"/>
           </a:p>
@@ -4753,7 +4753,7 @@
           <a:p>
             <a:fld id="{6F410624-7C5E-4564-8988-5D4DC79A743A}" type="datetimeFigureOut">
               <a:rPr kumimoji="1" lang="ja-JP" altLang="en-US" smtClean="0"/>
-              <a:t>2020/7/16</a:t>
+              <a:t>2020/7/17</a:t>
             </a:fld>
             <a:endParaRPr kumimoji="1" lang="ja-JP" altLang="en-US"/>
           </a:p>
@@ -5041,7 +5041,7 @@
           <a:p>
             <a:fld id="{6F410624-7C5E-4564-8988-5D4DC79A743A}" type="datetimeFigureOut">
               <a:rPr kumimoji="1" lang="ja-JP" altLang="en-US" smtClean="0"/>
-              <a:t>2020/7/16</a:t>
+              <a:t>2020/7/17</a:t>
             </a:fld>
             <a:endParaRPr kumimoji="1" lang="ja-JP" altLang="en-US"/>
           </a:p>
@@ -5314,7 +5314,7 @@
           <a:p>
             <a:fld id="{6F410624-7C5E-4564-8988-5D4DC79A743A}" type="datetimeFigureOut">
               <a:rPr kumimoji="1" lang="ja-JP" altLang="en-US" smtClean="0"/>
-              <a:t>2020/7/16</a:t>
+              <a:t>2020/7/17</a:t>
             </a:fld>
             <a:endParaRPr kumimoji="1" lang="ja-JP" altLang="en-US"/>
           </a:p>
@@ -7147,10 +7147,10 @@
       </mc:AlternateContent>
       <p:pic>
         <p:nvPicPr>
-          <p:cNvPr id="14" name="図 13">
-            <a:extLst>
-              <a:ext uri="{FF2B5EF4-FFF2-40B4-BE49-F238E27FC236}">
-                <a16:creationId xmlns:a16="http://schemas.microsoft.com/office/drawing/2014/main" id="{E2C4B396-5C90-46D5-B881-529AD2F1712C}"/>
+          <p:cNvPr id="8" name="図 7">
+            <a:extLst>
+              <a:ext uri="{FF2B5EF4-FFF2-40B4-BE49-F238E27FC236}">
+                <a16:creationId xmlns:a16="http://schemas.microsoft.com/office/drawing/2014/main" id="{97EE55DE-F5D2-43A3-B1B7-FC1A7CCEE5BF}"/>
               </a:ext>
             </a:extLst>
           </p:cNvPr>
@@ -7177,8 +7177,8 @@
         </p:blipFill>
         <p:spPr>
           <a:xfrm>
-            <a:off x="4270480" y="2878756"/>
-            <a:ext cx="3132259" cy="536523"/>
+            <a:off x="4270480" y="2878757"/>
+            <a:ext cx="3130735" cy="536523"/>
           </a:xfrm>
           <a:prstGeom prst="rect">
             <a:avLst/>
@@ -7228,10 +7228,10 @@
       </p:sp>
       <p:pic>
         <p:nvPicPr>
-          <p:cNvPr id="23" name="図 22">
-            <a:extLst>
-              <a:ext uri="{FF2B5EF4-FFF2-40B4-BE49-F238E27FC236}">
-                <a16:creationId xmlns:a16="http://schemas.microsoft.com/office/drawing/2014/main" id="{24CC89BB-01FE-43E1-A91B-E87484CF6AF3}"/>
+          <p:cNvPr id="10" name="図 9">
+            <a:extLst>
+              <a:ext uri="{FF2B5EF4-FFF2-40B4-BE49-F238E27FC236}">
+                <a16:creationId xmlns:a16="http://schemas.microsoft.com/office/drawing/2014/main" id="{73657D1E-DCF2-42BE-8052-6928A9072B2A}"/>
               </a:ext>
             </a:extLst>
           </p:cNvPr>
@@ -7259,7 +7259,7 @@
         <p:spPr>
           <a:xfrm>
             <a:off x="4502160" y="5245403"/>
-            <a:ext cx="2668897" cy="536523"/>
+            <a:ext cx="2668898" cy="536523"/>
           </a:xfrm>
           <a:prstGeom prst="rect">
             <a:avLst/>
@@ -8164,10 +8164,10 @@
       </p:sp>
       <p:pic>
         <p:nvPicPr>
-          <p:cNvPr id="8" name="図 7">
-            <a:extLst>
-              <a:ext uri="{FF2B5EF4-FFF2-40B4-BE49-F238E27FC236}">
-                <a16:creationId xmlns:a16="http://schemas.microsoft.com/office/drawing/2014/main" id="{B381E3C6-A2E4-4124-B2B3-33C8A4EB50EF}"/>
+          <p:cNvPr id="6" name="図 5">
+            <a:extLst>
+              <a:ext uri="{FF2B5EF4-FFF2-40B4-BE49-F238E27FC236}">
+                <a16:creationId xmlns:a16="http://schemas.microsoft.com/office/drawing/2014/main" id="{B95C8336-0A7A-4F9F-8721-0E2B4F4910C8}"/>
               </a:ext>
             </a:extLst>
           </p:cNvPr>
@@ -8195,7 +8195,7 @@
         <p:spPr>
           <a:xfrm>
             <a:off x="1948872" y="3493485"/>
-            <a:ext cx="3874546" cy="576152"/>
+            <a:ext cx="3987338" cy="576152"/>
           </a:xfrm>
           <a:prstGeom prst="rect">
             <a:avLst/>
@@ -8204,10 +8204,10 @@
       </p:pic>
       <p:pic>
         <p:nvPicPr>
-          <p:cNvPr id="11" name="図 10">
-            <a:extLst>
-              <a:ext uri="{FF2B5EF4-FFF2-40B4-BE49-F238E27FC236}">
-                <a16:creationId xmlns:a16="http://schemas.microsoft.com/office/drawing/2014/main" id="{F150D0ED-689E-4C6F-86CF-797D9DE9DD1C}"/>
+          <p:cNvPr id="9" name="図 8">
+            <a:extLst>
+              <a:ext uri="{FF2B5EF4-FFF2-40B4-BE49-F238E27FC236}">
+                <a16:creationId xmlns:a16="http://schemas.microsoft.com/office/drawing/2014/main" id="{95D62D81-79C4-495E-850D-8D7F078FD389}"/>
               </a:ext>
             </a:extLst>
           </p:cNvPr>
@@ -8235,7 +8235,7 @@
         <p:spPr>
           <a:xfrm>
             <a:off x="6368582" y="3503746"/>
-            <a:ext cx="3874546" cy="571579"/>
+            <a:ext cx="3987338" cy="571579"/>
           </a:xfrm>
           <a:prstGeom prst="rect">
             <a:avLst/>
@@ -14943,10 +14943,10 @@
       </mc:AlternateContent>
       <p:pic>
         <p:nvPicPr>
-          <p:cNvPr id="21" name="図 20">
-            <a:extLst>
-              <a:ext uri="{FF2B5EF4-FFF2-40B4-BE49-F238E27FC236}">
-                <a16:creationId xmlns:a16="http://schemas.microsoft.com/office/drawing/2014/main" id="{7B613BE4-FDC5-42E9-BAEF-111890749F20}"/>
+          <p:cNvPr id="5" name="図 4">
+            <a:extLst>
+              <a:ext uri="{FF2B5EF4-FFF2-40B4-BE49-F238E27FC236}">
+                <a16:creationId xmlns:a16="http://schemas.microsoft.com/office/drawing/2014/main" id="{B2D715D5-E1A0-4CD0-83D9-3BF731EB7AD6}"/>
               </a:ext>
             </a:extLst>
           </p:cNvPr>
@@ -14974,7 +14974,7 @@
         <p:spPr>
           <a:xfrm>
             <a:off x="5335183" y="3045504"/>
-            <a:ext cx="1202604" cy="253019"/>
+            <a:ext cx="1441906" cy="253019"/>
           </a:xfrm>
           <a:prstGeom prst="rect">
             <a:avLst/>
@@ -15547,14 +15547,14 @@
 <p:tagLst xmlns:a="http://schemas.openxmlformats.org/drawingml/2006/main" xmlns:r="http://schemas.openxmlformats.org/officeDocument/2006/relationships" xmlns:p="http://schemas.openxmlformats.org/presentationml/2006/main">
   <p:tag name="OUTPUTDPI" val="1200"/>
   <p:tag name="ORIGINALHEIGHT" val="264.0369"/>
-  <p:tag name="ORIGINALWIDTH" val="1541.465"/>
-  <p:tag name="LATEXADDIN" val="\documentclass{article}&#10;\usepackage{amsmath}&#10;\pagestyle{empty}&#10;\begin{document}&#10;&#10;&#10;$\displaystyle f'(x)=\lim_{h\to 0}\dfrac{f(x+h)-f(h)}{h}$&#10;&#10;\end{document}"/>
+  <p:tag name="ORIGINALWIDTH" val="1540.715"/>
+  <p:tag name="LATEXADDIN" val="\documentclass{article}&#10;\usepackage{amsmath}&#10;\pagestyle{empty}&#10;\begin{document}&#10;&#10;&#10;$\displaystyle f'(x)=\lim_{h\to 0}\dfrac{f(x+h)-f(x)}{h}$&#10;&#10;\end{document}"/>
   <p:tag name="IGUANATEXSIZE" val="20"/>
-  <p:tag name="IGUANATEXCURSOR" val="103"/>
+  <p:tag name="IGUANATEXCURSOR" val="133"/>
   <p:tag name="TRANSPARENCY" val="True"/>
   <p:tag name="FILENAME" val=""/>
   <p:tag name="LATEXENGINEID" val="4"/>
-  <p:tag name="TEMPFOLDER" val="c:\temp\"/>
+  <p:tag name="TEMPFOLDER" val="C:\temp\"/>
   <p:tag name="LATEXFORMHEIGHT" val="312"/>
   <p:tag name="LATEXFORMWIDTH" val="384"/>
   <p:tag name="LATEXFORMWRAP" val="True"/>
@@ -15567,13 +15567,13 @@
   <p:tag name="OUTPUTDPI" val="1200"/>
   <p:tag name="ORIGINALHEIGHT" val="264.0369"/>
   <p:tag name="ORIGINALWIDTH" val="1313.433"/>
-  <p:tag name="LATEXADDIN" val="\documentclass{article}&#10;\usepackage{amsmath}&#10;\pagestyle{empty}&#10;\begin{document}&#10;&#10;&#10;$$\displaystyle f'(x)=\dfrac{f(x+h)-f(h)}{h}$$&#10;&#10;\end{document}"/>
+  <p:tag name="LATEXADDIN" val="\documentclass{article}&#10;\usepackage{amsmath}&#10;\pagestyle{empty}&#10;\begin{document}&#10;&#10;&#10;$$\displaystyle f'(x)=\dfrac{f(x+h)-f(x)}{h}$$&#10;&#10;\end{document}"/>
   <p:tag name="IGUANATEXSIZE" val="20"/>
-  <p:tag name="IGUANATEXCURSOR" val="104"/>
+  <p:tag name="IGUANATEXCURSOR" val="121"/>
   <p:tag name="TRANSPARENCY" val="True"/>
   <p:tag name="FILENAME" val=""/>
   <p:tag name="LATEXENGINEID" val="4"/>
-  <p:tag name="TEMPFOLDER" val="c:\temp\"/>
+  <p:tag name="TEMPFOLDER" val="C:\temp\"/>
   <p:tag name="LATEXFORMHEIGHT" val="312"/>
   <p:tag name="LATEXFORMWIDTH" val="384"/>
   <p:tag name="LATEXFORMWRAP" val="True"/>
@@ -15661,14 +15661,14 @@
 <p:tagLst xmlns:a="http://schemas.openxmlformats.org/drawingml/2006/main" xmlns:r="http://schemas.openxmlformats.org/officeDocument/2006/relationships" xmlns:p="http://schemas.openxmlformats.org/presentationml/2006/main">
   <p:tag name="OUTPUTDPI" val="1200"/>
   <p:tag name="ORIGINALHEIGHT" val="283.5396"/>
-  <p:tag name="ORIGINALWIDTH" val="1906.766"/>
-  <p:tag name="LATEXADDIN" val="\documentclass{article}&#10;\usepackage{amsmath}&#10;\pagestyle{empty}&#10;\begin{document}&#10;&#10;&#10;$\displaystyle\dfrac{\partial f}{\partial x_0}=\lim_{h\to 0}\dfrac{f(x_0+h,x_1)-f(h,x_1)}{h}$&#10;&#10;\end{document}"/>
+  <p:tag name="ORIGINALWIDTH" val="1962.274"/>
+  <p:tag name="LATEXADDIN" val="\documentclass{article}&#10;\usepackage{amsmath}&#10;\pagestyle{empty}&#10;\begin{document}&#10;&#10;&#10;$\displaystyle\dfrac{\partial f}{\partial x_0}=\lim_{h\to 0}\dfrac{f(x_0+h,x_1)-f(x_0,x_1)}{h}$&#10;&#10;\end{document}"/>
   <p:tag name="IGUANATEXSIZE" val="20"/>
-  <p:tag name="IGUANATEXCURSOR" val="154"/>
+  <p:tag name="IGUANATEXCURSOR" val="167"/>
   <p:tag name="TRANSPARENCY" val="True"/>
   <p:tag name="FILENAME" val=""/>
   <p:tag name="LATEXENGINEID" val="4"/>
-  <p:tag name="TEMPFOLDER" val="c:\temp\"/>
+  <p:tag name="TEMPFOLDER" val="C:\temp\"/>
   <p:tag name="LATEXFORMHEIGHT" val="312"/>
   <p:tag name="LATEXFORMWIDTH" val="384"/>
   <p:tag name="LATEXFORMWRAP" val="True"/>
@@ -15680,14 +15680,14 @@
 <p:tagLst xmlns:a="http://schemas.openxmlformats.org/drawingml/2006/main" xmlns:r="http://schemas.openxmlformats.org/officeDocument/2006/relationships" xmlns:p="http://schemas.openxmlformats.org/presentationml/2006/main">
   <p:tag name="OUTPUTDPI" val="1200"/>
   <p:tag name="ORIGINALHEIGHT" val="281.2893"/>
-  <p:tag name="ORIGINALWIDTH" val="1906.766"/>
-  <p:tag name="LATEXADDIN" val="\documentclass{article}&#10;\usepackage{amsmath}&#10;\pagestyle{empty}&#10;\begin{document}&#10;&#10;&#10;$\displaystyle\dfrac{\partial f}{\partial x_1}=\lim_{h\to 0}\dfrac{f(x_0,x_1+h)-f(x_0,h)}{h}$&#10;&#10;\end{document}"/>
+  <p:tag name="ORIGINALWIDTH" val="1962.274"/>
+  <p:tag name="LATEXADDIN" val="\documentclass{article}&#10;\usepackage{amsmath}&#10;\pagestyle{empty}&#10;\begin{document}&#10;&#10;&#10;$\displaystyle\dfrac{\partial f}{\partial x_1}=\lim_{h\to 0}\dfrac{f(x_0,x_1+h)-f(x_0,x_1)}{h}$&#10;&#10;\end{document}"/>
   <p:tag name="IGUANATEXSIZE" val="20"/>
-  <p:tag name="IGUANATEXCURSOR" val="127"/>
+  <p:tag name="IGUANATEXCURSOR" val="171"/>
   <p:tag name="TRANSPARENCY" val="True"/>
   <p:tag name="FILENAME" val=""/>
   <p:tag name="LATEXENGINEID" val="4"/>
-  <p:tag name="TEMPFOLDER" val="c:\temp\"/>
+  <p:tag name="TEMPFOLDER" val="C:\temp\"/>
   <p:tag name="LATEXFORMHEIGHT" val="312"/>
   <p:tag name="LATEXFORMWIDTH" val="384"/>
   <p:tag name="LATEXFORMWRAP" val="True"/>
@@ -15908,14 +15908,14 @@
 <p:tagLst xmlns:a="http://schemas.openxmlformats.org/drawingml/2006/main" xmlns:r="http://schemas.openxmlformats.org/officeDocument/2006/relationships" xmlns:p="http://schemas.openxmlformats.org/presentationml/2006/main">
   <p:tag name="OUTPUTDPI" val="1200"/>
   <p:tag name="ORIGINALHEIGHT" val="124.5174"/>
-  <p:tag name="ORIGINALWIDTH" val="591.8326"/>
-  <p:tag name="LATEXADDIN" val="\documentclass{article}&#10;\usepackage{amsmath}&#10;\pagestyle{empty}&#10;\begin{document}&#10;&#10;&#10;$E=\log(t_i)$&#10;&#10;\end{document}"/>
+  <p:tag name="ORIGINALWIDTH" val="709.5991"/>
+  <p:tag name="LATEXADDIN" val="\documentclass{article}&#10;\usepackage{amsmath}&#10;\pagestyle{empty}&#10;\begin{document}&#10;&#10;&#10;$E=-\log(t_i)$&#10;&#10;\end{document}"/>
   <p:tag name="IGUANATEXSIZE" val="20"/>
-  <p:tag name="IGUANATEXCURSOR" val="83"/>
+  <p:tag name="IGUANATEXCURSOR" val="86"/>
   <p:tag name="TRANSPARENCY" val="True"/>
   <p:tag name="FILENAME" val=""/>
   <p:tag name="LATEXENGINEID" val="4"/>
-  <p:tag name="TEMPFOLDER" val="c:\temp\"/>
+  <p:tag name="TEMPFOLDER" val="C:\temp\"/>
   <p:tag name="LATEXFORMHEIGHT" val="312"/>
   <p:tag name="LATEXFORMWIDTH" val="384"/>
   <p:tag name="LATEXFORMWRAP" val="True"/>
